--- a/remotedesktop.pptx
+++ b/remotedesktop.pptx
@@ -19,7 +19,6 @@
     <p:sldId id="268" r:id="rId13"/>
     <p:sldId id="269" r:id="rId14"/>
     <p:sldId id="270" r:id="rId15"/>
-    <p:sldId id="271" r:id="rId16"/>
   </p:sldIdLst>
   <p:sldSz cx="12192000" cy="6858000"/>
   <p:notesSz cx="6858000" cy="9144000"/>
@@ -273,7 +272,7 @@
           <a:p>
             <a:fld id="{4573E8F1-914A-453D-8EAE-1AABDAB72837}" type="datetimeFigureOut">
               <a:rPr lang="en-US" smtClean="0"/>
-              <a:t>6/22/2020</a:t>
+              <a:t>6/23/2020</a:t>
             </a:fld>
             <a:endParaRPr lang="en-US"/>
           </a:p>
@@ -471,7 +470,7 @@
           <a:p>
             <a:fld id="{4573E8F1-914A-453D-8EAE-1AABDAB72837}" type="datetimeFigureOut">
               <a:rPr lang="en-US" smtClean="0"/>
-              <a:t>6/22/2020</a:t>
+              <a:t>6/23/2020</a:t>
             </a:fld>
             <a:endParaRPr lang="en-US"/>
           </a:p>
@@ -679,7 +678,7 @@
           <a:p>
             <a:fld id="{4573E8F1-914A-453D-8EAE-1AABDAB72837}" type="datetimeFigureOut">
               <a:rPr lang="en-US" smtClean="0"/>
-              <a:t>6/22/2020</a:t>
+              <a:t>6/23/2020</a:t>
             </a:fld>
             <a:endParaRPr lang="en-US"/>
           </a:p>
@@ -877,7 +876,7 @@
           <a:p>
             <a:fld id="{4573E8F1-914A-453D-8EAE-1AABDAB72837}" type="datetimeFigureOut">
               <a:rPr lang="en-US" smtClean="0"/>
-              <a:t>6/22/2020</a:t>
+              <a:t>6/23/2020</a:t>
             </a:fld>
             <a:endParaRPr lang="en-US"/>
           </a:p>
@@ -1152,7 +1151,7 @@
           <a:p>
             <a:fld id="{4573E8F1-914A-453D-8EAE-1AABDAB72837}" type="datetimeFigureOut">
               <a:rPr lang="en-US" smtClean="0"/>
-              <a:t>6/22/2020</a:t>
+              <a:t>6/23/2020</a:t>
             </a:fld>
             <a:endParaRPr lang="en-US"/>
           </a:p>
@@ -1417,7 +1416,7 @@
           <a:p>
             <a:fld id="{4573E8F1-914A-453D-8EAE-1AABDAB72837}" type="datetimeFigureOut">
               <a:rPr lang="en-US" smtClean="0"/>
-              <a:t>6/22/2020</a:t>
+              <a:t>6/23/2020</a:t>
             </a:fld>
             <a:endParaRPr lang="en-US"/>
           </a:p>
@@ -1829,7 +1828,7 @@
           <a:p>
             <a:fld id="{4573E8F1-914A-453D-8EAE-1AABDAB72837}" type="datetimeFigureOut">
               <a:rPr lang="en-US" smtClean="0"/>
-              <a:t>6/22/2020</a:t>
+              <a:t>6/23/2020</a:t>
             </a:fld>
             <a:endParaRPr lang="en-US"/>
           </a:p>
@@ -1970,7 +1969,7 @@
           <a:p>
             <a:fld id="{4573E8F1-914A-453D-8EAE-1AABDAB72837}" type="datetimeFigureOut">
               <a:rPr lang="en-US" smtClean="0"/>
-              <a:t>6/22/2020</a:t>
+              <a:t>6/23/2020</a:t>
             </a:fld>
             <a:endParaRPr lang="en-US"/>
           </a:p>
@@ -2083,7 +2082,7 @@
           <a:p>
             <a:fld id="{4573E8F1-914A-453D-8EAE-1AABDAB72837}" type="datetimeFigureOut">
               <a:rPr lang="en-US" smtClean="0"/>
-              <a:t>6/22/2020</a:t>
+              <a:t>6/23/2020</a:t>
             </a:fld>
             <a:endParaRPr lang="en-US"/>
           </a:p>
@@ -2394,7 +2393,7 @@
           <a:p>
             <a:fld id="{4573E8F1-914A-453D-8EAE-1AABDAB72837}" type="datetimeFigureOut">
               <a:rPr lang="en-US" smtClean="0"/>
-              <a:t>6/22/2020</a:t>
+              <a:t>6/23/2020</a:t>
             </a:fld>
             <a:endParaRPr lang="en-US"/>
           </a:p>
@@ -2682,7 +2681,7 @@
           <a:p>
             <a:fld id="{4573E8F1-914A-453D-8EAE-1AABDAB72837}" type="datetimeFigureOut">
               <a:rPr lang="en-US" smtClean="0"/>
-              <a:t>6/22/2020</a:t>
+              <a:t>6/23/2020</a:t>
             </a:fld>
             <a:endParaRPr lang="en-US"/>
           </a:p>
@@ -2923,7 +2922,7 @@
           <a:p>
             <a:fld id="{4573E8F1-914A-453D-8EAE-1AABDAB72837}" type="datetimeFigureOut">
               <a:rPr lang="en-US" smtClean="0"/>
-              <a:t>6/22/2020</a:t>
+              <a:t>6/23/2020</a:t>
             </a:fld>
             <a:endParaRPr lang="en-US"/>
           </a:p>
@@ -3674,36 +3673,6 @@
     <p:extLst>
       <p:ext uri="{BB962C8B-B14F-4D97-AF65-F5344CB8AC3E}">
         <p14:creationId xmlns:p14="http://schemas.microsoft.com/office/powerpoint/2010/main" val="2331039017"/>
-      </p:ext>
-    </p:extLst>
-  </p:cSld>
-  <p:clrMapOvr>
-    <a:masterClrMapping/>
-  </p:clrMapOvr>
-</p:sld>
-</file>
-
-<file path=ppt/slides/slide15.xml><?xml version="1.0" encoding="utf-8"?>
-<p:sld xmlns:a="http://schemas.openxmlformats.org/drawingml/2006/main" xmlns:r="http://schemas.openxmlformats.org/officeDocument/2006/relationships" xmlns:p="http://schemas.openxmlformats.org/presentationml/2006/main">
-  <p:cSld>
-    <p:spTree>
-      <p:nvGrpSpPr>
-        <p:cNvPr id="1" name=""/>
-        <p:cNvGrpSpPr/>
-        <p:nvPr/>
-      </p:nvGrpSpPr>
-      <p:grpSpPr>
-        <a:xfrm>
-          <a:off x="0" y="0"/>
-          <a:ext cx="0" cy="0"/>
-          <a:chOff x="0" y="0"/>
-          <a:chExt cx="0" cy="0"/>
-        </a:xfrm>
-      </p:grpSpPr>
-    </p:spTree>
-    <p:extLst>
-      <p:ext uri="{BB962C8B-B14F-4D97-AF65-F5344CB8AC3E}">
-        <p14:creationId xmlns:p14="http://schemas.microsoft.com/office/powerpoint/2010/main" val="482920192"/>
       </p:ext>
     </p:extLst>
   </p:cSld>
